--- a/ProyectoWeb/7. Presentación.pptx
+++ b/ProyectoWeb/7. Presentación.pptx
@@ -14,6 +14,7 @@
     <p:sldId id="259" r:id="rId9"/>
     <p:sldId id="260" r:id="rId10"/>
     <p:sldId id="261" r:id="rId11"/>
+    <p:sldId id="262" r:id="rId12"/>
   </p:sldIdLst>
   <p:sldSz cy="6858000" cx="9144000"/>
   <p:notesSz cx="7099300" cy="10234600"/>
@@ -2343,7 +2344,7 @@
   <p:cSld>
     <p:spTree>
       <p:nvGrpSpPr>
-        <p:cNvPr id="106" name="Shape 106"/>
+        <p:cNvPr id="104" name="Shape 104"/>
         <p:cNvGrpSpPr/>
         <p:nvPr/>
       </p:nvGrpSpPr>
@@ -2357,7 +2358,7 @@
       </p:grpSpPr>
       <p:sp>
         <p:nvSpPr>
-          <p:cNvPr id="107" name="Google Shape;107;g1069aa725d9_0_25:notes"/>
+          <p:cNvPr id="105" name="Google Shape;105;g106a44146ca_0_0:notes"/>
           <p:cNvSpPr/>
           <p:nvPr>
             <p:ph idx="2" type="sldImg"/>
@@ -2392,7 +2393,7 @@
       </p:sp>
       <p:sp>
         <p:nvSpPr>
-          <p:cNvPr id="108" name="Google Shape;108;g1069aa725d9_0_25:notes"/>
+          <p:cNvPr id="106" name="Google Shape;106;g106a44146ca_0_0:notes"/>
           <p:cNvSpPr txBox="1"/>
           <p:nvPr>
             <p:ph idx="1" type="body"/>
@@ -2431,7 +2432,7 @@
       </p:sp>
       <p:sp>
         <p:nvSpPr>
-          <p:cNvPr id="109" name="Google Shape;109;g1069aa725d9_0_25:notes"/>
+          <p:cNvPr id="107" name="Google Shape;107;g106a44146ca_0_0:notes"/>
           <p:cNvSpPr txBox="1"/>
           <p:nvPr>
             <p:ph idx="12" type="sldNum"/>
@@ -2487,7 +2488,7 @@
   <p:cSld>
     <p:spTree>
       <p:nvGrpSpPr>
-        <p:cNvPr id="121" name="Shape 121"/>
+        <p:cNvPr id="114" name="Shape 114"/>
         <p:cNvGrpSpPr/>
         <p:nvPr/>
       </p:nvGrpSpPr>
@@ -2501,7 +2502,7 @@
       </p:grpSpPr>
       <p:sp>
         <p:nvSpPr>
-          <p:cNvPr id="122" name="Google Shape;122;g1069aa725d9_0_45:notes"/>
+          <p:cNvPr id="115" name="Google Shape;115;g1069aa725d9_0_25:notes"/>
           <p:cNvSpPr/>
           <p:nvPr>
             <p:ph idx="2" type="sldImg"/>
@@ -2536,7 +2537,7 @@
       </p:sp>
       <p:sp>
         <p:nvSpPr>
-          <p:cNvPr id="123" name="Google Shape;123;g1069aa725d9_0_45:notes"/>
+          <p:cNvPr id="116" name="Google Shape;116;g1069aa725d9_0_25:notes"/>
           <p:cNvSpPr txBox="1"/>
           <p:nvPr>
             <p:ph idx="1" type="body"/>
@@ -2575,7 +2576,151 @@
       </p:sp>
       <p:sp>
         <p:nvSpPr>
-          <p:cNvPr id="124" name="Google Shape;124;g1069aa725d9_0_45:notes"/>
+          <p:cNvPr id="117" name="Google Shape;117;g1069aa725d9_0_25:notes"/>
+          <p:cNvSpPr txBox="1"/>
+          <p:nvPr>
+            <p:ph idx="12" type="sldNum"/>
+          </p:nvPr>
+        </p:nvSpPr>
+        <p:spPr>
+          <a:xfrm>
+            <a:off x="4021293" y="9721106"/>
+            <a:ext cx="3076500" cy="511800"/>
+          </a:xfrm>
+          <a:prstGeom prst="rect">
+            <a:avLst/>
+          </a:prstGeom>
+        </p:spPr>
+        <p:txBody>
+          <a:bodyPr anchorCtr="0" anchor="b" bIns="49925" lIns="99875" spcFirstLastPara="1" rIns="99875" wrap="square" tIns="49925">
+            <a:noAutofit/>
+          </a:bodyPr>
+          <a:lstStyle/>
+          <a:p>
+            <a:pPr indent="0" lvl="0" marL="0" rtl="0" algn="r">
+              <a:spcBef>
+                <a:spcPts val="0"/>
+              </a:spcBef>
+              <a:spcAft>
+                <a:spcPts val="0"/>
+              </a:spcAft>
+              <a:buClr>
+                <a:srgbClr val="000000"/>
+              </a:buClr>
+              <a:buSzPts val="1400"/>
+              <a:buFont typeface="Arial"/>
+              <a:buNone/>
+            </a:pPr>
+            <a:fld id="{00000000-1234-1234-1234-123412341234}" type="slidenum">
+              <a:rPr lang="es-EC"/>
+              <a:t>‹#›</a:t>
+            </a:fld>
+            <a:endParaRPr/>
+          </a:p>
+        </p:txBody>
+      </p:sp>
+    </p:spTree>
+  </p:cSld>
+  <p:clrMapOvr>
+    <a:masterClrMapping/>
+  </p:clrMapOvr>
+</p:notes>
+</file>
+
+<file path=ppt/notesSlides/notesSlide7.xml><?xml version="1.0" encoding="utf-8"?>
+<p:notes xmlns:a="http://schemas.openxmlformats.org/drawingml/2006/main" xmlns:r="http://schemas.openxmlformats.org/officeDocument/2006/relationships" xmlns:mc="http://schemas.openxmlformats.org/markup-compatibility/2006" xmlns:mv="urn:schemas-microsoft-com:mac:vml" xmlns:p="http://schemas.openxmlformats.org/presentationml/2006/main" xmlns:c="http://schemas.openxmlformats.org/drawingml/2006/chart" xmlns:dgm="http://schemas.openxmlformats.org/drawingml/2006/diagram" xmlns:o="urn:schemas-microsoft-com:office:office" xmlns:v="urn:schemas-microsoft-com:vml" xmlns:pvml="urn:schemas-microsoft-com:office:powerpoint" xmlns:com="http://schemas.openxmlformats.org/drawingml/2006/compatibility" xmlns:p14="http://schemas.microsoft.com/office/powerpoint/2010/main" xmlns:p15="http://schemas.microsoft.com/office/powerpoint/2012/main" xmlns:ahyp="http://schemas.microsoft.com/office/drawing/2018/hyperlinkcolor" showMasterPhAnim="0" showMasterSp="0">
+  <p:cSld>
+    <p:spTree>
+      <p:nvGrpSpPr>
+        <p:cNvPr id="127" name="Shape 127"/>
+        <p:cNvGrpSpPr/>
+        <p:nvPr/>
+      </p:nvGrpSpPr>
+      <p:grpSpPr>
+        <a:xfrm>
+          <a:off x="0" y="0"/>
+          <a:ext cx="0" cy="0"/>
+          <a:chOff x="0" y="0"/>
+          <a:chExt cx="0" cy="0"/>
+        </a:xfrm>
+      </p:grpSpPr>
+      <p:sp>
+        <p:nvSpPr>
+          <p:cNvPr id="128" name="Google Shape;128;g1069aa725d9_0_45:notes"/>
+          <p:cNvSpPr/>
+          <p:nvPr>
+            <p:ph idx="2" type="sldImg"/>
+          </p:nvPr>
+        </p:nvSpPr>
+        <p:spPr>
+          <a:xfrm>
+            <a:off x="990600" y="768350"/>
+            <a:ext cx="5118000" cy="3838500"/>
+          </a:xfrm>
+          <a:custGeom>
+            <a:rect b="b" l="l" r="r" t="t"/>
+            <a:pathLst>
+              <a:path extrusionOk="0" h="120000" w="120000">
+                <a:moveTo>
+                  <a:pt x="0" y="0"/>
+                </a:moveTo>
+                <a:lnTo>
+                  <a:pt x="120000" y="0"/>
+                </a:lnTo>
+                <a:lnTo>
+                  <a:pt x="120000" y="120000"/>
+                </a:lnTo>
+                <a:lnTo>
+                  <a:pt x="0" y="120000"/>
+                </a:lnTo>
+                <a:close/>
+              </a:path>
+            </a:pathLst>
+          </a:custGeom>
+        </p:spPr>
+      </p:sp>
+      <p:sp>
+        <p:nvSpPr>
+          <p:cNvPr id="129" name="Google Shape;129;g1069aa725d9_0_45:notes"/>
+          <p:cNvSpPr txBox="1"/>
+          <p:nvPr>
+            <p:ph idx="1" type="body"/>
+          </p:nvPr>
+        </p:nvSpPr>
+        <p:spPr>
+          <a:xfrm>
+            <a:off x="709930" y="4861443"/>
+            <a:ext cx="5679300" cy="4605600"/>
+          </a:xfrm>
+          <a:prstGeom prst="rect">
+            <a:avLst/>
+          </a:prstGeom>
+        </p:spPr>
+        <p:txBody>
+          <a:bodyPr anchorCtr="0" anchor="t" bIns="49925" lIns="99875" spcFirstLastPara="1" rIns="99875" wrap="square" tIns="49925">
+            <a:noAutofit/>
+          </a:bodyPr>
+          <a:lstStyle/>
+          <a:p>
+            <a:pPr indent="0" lvl="0" marL="0" rtl="0" algn="l">
+              <a:spcBef>
+                <a:spcPts val="0"/>
+              </a:spcBef>
+              <a:spcAft>
+                <a:spcPts val="0"/>
+              </a:spcAft>
+              <a:buNone/>
+            </a:pPr>
+            <a:r>
+              <a:t/>
+            </a:r>
+            <a:endParaRPr/>
+          </a:p>
+        </p:txBody>
+      </p:sp>
+      <p:sp>
+        <p:nvSpPr>
+          <p:cNvPr id="130" name="Google Shape;130;g1069aa725d9_0_45:notes"/>
           <p:cNvSpPr txBox="1"/>
           <p:nvPr>
             <p:ph idx="12" type="sldNum"/>
@@ -13147,7 +13292,7 @@
         </p:nvSpPr>
         <p:spPr>
           <a:xfrm>
-            <a:off x="37700" y="709875"/>
+            <a:off x="187700" y="799013"/>
             <a:ext cx="2144700" cy="400200"/>
           </a:xfrm>
           <a:prstGeom prst="rect">
@@ -13205,7 +13350,7 @@
         </p:nvSpPr>
         <p:spPr>
           <a:xfrm>
-            <a:off x="37700" y="2276525"/>
+            <a:off x="61975" y="2664700"/>
             <a:ext cx="1804800" cy="400200"/>
           </a:xfrm>
           <a:prstGeom prst="rect">
@@ -13263,78 +13408,8 @@
         </p:nvSpPr>
         <p:spPr>
           <a:xfrm>
-            <a:off x="37700" y="4055325"/>
-            <a:ext cx="2055900" cy="400200"/>
-          </a:xfrm>
-          <a:prstGeom prst="rect">
-            <a:avLst/>
-          </a:prstGeom>
-          <a:noFill/>
-          <a:ln>
-            <a:noFill/>
-          </a:ln>
-        </p:spPr>
-        <p:txBody>
-          <a:bodyPr anchorCtr="0" anchor="t" bIns="91425" lIns="91425" spcFirstLastPara="1" rIns="91425" wrap="square" tIns="91425">
-            <a:spAutoFit/>
-          </a:bodyPr>
-          <a:lstStyle/>
-          <a:p>
-            <a:pPr indent="0" lvl="0" marL="0" rtl="0" algn="l">
-              <a:spcBef>
-                <a:spcPts val="0"/>
-              </a:spcBef>
-              <a:spcAft>
-                <a:spcPts val="0"/>
-              </a:spcAft>
-              <a:buNone/>
-            </a:pPr>
-            <a:r>
-              <a:rPr b="1" lang="es-EC">
-                <a:solidFill>
-                  <a:srgbClr val="006600"/>
-                </a:solidFill>
-                <a:latin typeface="Verdana"/>
-                <a:ea typeface="Verdana"/>
-                <a:cs typeface="Verdana"/>
-                <a:sym typeface="Verdana"/>
-              </a:rPr>
-              <a:t>INVESTIGA</a:t>
-            </a:r>
-            <a:r>
-              <a:rPr b="1" lang="es-EC">
-                <a:solidFill>
-                  <a:srgbClr val="006600"/>
-                </a:solidFill>
-                <a:latin typeface="Verdana"/>
-                <a:ea typeface="Verdana"/>
-                <a:cs typeface="Verdana"/>
-                <a:sym typeface="Verdana"/>
-              </a:rPr>
-              <a:t>CIÓN</a:t>
-            </a:r>
-            <a:endParaRPr b="1">
-              <a:solidFill>
-                <a:srgbClr val="006600"/>
-              </a:solidFill>
-              <a:latin typeface="Verdana"/>
-              <a:ea typeface="Verdana"/>
-              <a:cs typeface="Verdana"/>
-              <a:sym typeface="Verdana"/>
-            </a:endParaRPr>
-          </a:p>
-        </p:txBody>
-      </p:sp>
-      <p:sp>
-        <p:nvSpPr>
-          <p:cNvPr id="103" name="Google Shape;103;p17"/>
-          <p:cNvSpPr txBox="1"/>
-          <p:nvPr/>
-        </p:nvSpPr>
-        <p:spPr>
-          <a:xfrm>
-            <a:off x="316050" y="1135300"/>
-            <a:ext cx="8511900" cy="1116000"/>
+            <a:off x="340325" y="1235500"/>
+            <a:ext cx="8741700" cy="1369800"/>
           </a:xfrm>
           <a:prstGeom prst="rect">
             <a:avLst/>
@@ -13471,7 +13546,7 @@
                 <a:cs typeface="Verdana"/>
                 <a:sym typeface="Verdana"/>
               </a:rPr>
-              <a:t>Se requiere actualizar los datos informativos de la malla pedagógica de las autoridades del departamento.</a:t>
+              <a:t>Se requiere actualizar los datos informativos de la malla pedagógica de las autoridades del departamento (Nombre,Formación académica, e-mail, extensión).</a:t>
             </a:r>
             <a:endParaRPr sz="1100">
               <a:solidFill>
@@ -13543,7 +13618,7 @@
               </a:rPr>
               <a:t>Modificar el diseño de la presentación de las pestañas, donde se visualizará la información de las autoridades del departamento.</a:t>
             </a:r>
-            <a:endParaRPr sz="1300">
+            <a:endParaRPr sz="1100">
               <a:latin typeface="Verdana"/>
               <a:ea typeface="Verdana"/>
               <a:cs typeface="Verdana"/>
@@ -13554,14 +13629,14 @@
       </p:sp>
       <p:sp>
         <p:nvSpPr>
-          <p:cNvPr id="104" name="Google Shape;104;p17"/>
+          <p:cNvPr id="103" name="Google Shape;103;p17"/>
           <p:cNvSpPr txBox="1"/>
           <p:nvPr/>
         </p:nvSpPr>
         <p:spPr>
           <a:xfrm>
-            <a:off x="316050" y="2719225"/>
-            <a:ext cx="8511900" cy="1369800"/>
+            <a:off x="340325" y="3107400"/>
+            <a:ext cx="8741700" cy="2131800"/>
           </a:xfrm>
           <a:prstGeom prst="rect">
             <a:avLst/>
@@ -13611,7 +13686,7 @@
                 <a:cs typeface="Verdana"/>
                 <a:sym typeface="Verdana"/>
               </a:rPr>
-              <a:t>: Se requiere verificar la información de las áreas de conocimiento que tiene cada docente.</a:t>
+              <a:t>: Se requiere verificar la información de las áreas de conocimiento que tiene cada docente (código, malla, coordinador).</a:t>
             </a:r>
             <a:endParaRPr sz="1100">
               <a:solidFill>
@@ -13673,7 +13748,7 @@
                 <a:cs typeface="Verdana"/>
                 <a:sym typeface="Verdana"/>
               </a:rPr>
-              <a:t>Se requiere verificar la información del tiempo completo que tiene cada docente.</a:t>
+              <a:t>Se requiere verificar la información del tiempo completo que tiene cada docente. (nombre, formación académica, ámbito de investigación, experiencia).</a:t>
             </a:r>
             <a:endParaRPr sz="1100">
               <a:solidFill>
@@ -13735,7 +13810,7 @@
                 <a:cs typeface="Verdana"/>
                 <a:sym typeface="Verdana"/>
               </a:rPr>
-              <a:t>Se requiere verificar la información del tiempo parcial que tiene cada docente.  </a:t>
+              <a:t>Se requiere verificar la información del tiempo parcial que tiene cada docente. (nombre, formación académica, ámbito de investigación, experiencia).  </a:t>
             </a:r>
             <a:endParaRPr sz="1100">
               <a:solidFill>
@@ -13802,7 +13877,7 @@
               </a:rPr>
               <a:t>Se requiere verificar el enlace pestaña cual nos dirigirá al calendario académico para visualizar sus respectivas actividades. </a:t>
             </a:r>
-            <a:endParaRPr b="1" sz="1000">
+            <a:endParaRPr b="1" sz="1100">
               <a:solidFill>
                 <a:schemeClr val="dk1"/>
               </a:solidFill>
@@ -13814,16 +13889,144 @@
           </a:p>
         </p:txBody>
       </p:sp>
+    </p:spTree>
+  </p:cSld>
+  <p:clrMapOvr>
+    <a:masterClrMapping/>
+  </p:clrMapOvr>
+</p:sld>
+</file>
+
+<file path=ppt/slides/slide5.xml><?xml version="1.0" encoding="utf-8"?>
+<p:sld xmlns:a="http://schemas.openxmlformats.org/drawingml/2006/main" xmlns:r="http://schemas.openxmlformats.org/officeDocument/2006/relationships" xmlns:mc="http://schemas.openxmlformats.org/markup-compatibility/2006" xmlns:mv="urn:schemas-microsoft-com:mac:vml" xmlns:p="http://schemas.openxmlformats.org/presentationml/2006/main" xmlns:c="http://schemas.openxmlformats.org/drawingml/2006/chart" xmlns:dgm="http://schemas.openxmlformats.org/drawingml/2006/diagram" xmlns:o="urn:schemas-microsoft-com:office:office" xmlns:v="urn:schemas-microsoft-com:vml" xmlns:pvml="urn:schemas-microsoft-com:office:powerpoint" xmlns:com="http://schemas.openxmlformats.org/drawingml/2006/compatibility" xmlns:p14="http://schemas.microsoft.com/office/powerpoint/2010/main" xmlns:p15="http://schemas.microsoft.com/office/powerpoint/2012/main" xmlns:ahyp="http://schemas.microsoft.com/office/drawing/2018/hyperlinkcolor">
+  <p:cSld>
+    <p:spTree>
+      <p:nvGrpSpPr>
+        <p:cNvPr id="108" name="Shape 108"/>
+        <p:cNvGrpSpPr/>
+        <p:nvPr/>
+      </p:nvGrpSpPr>
+      <p:grpSpPr>
+        <a:xfrm>
+          <a:off x="0" y="0"/>
+          <a:ext cx="0" cy="0"/>
+          <a:chOff x="0" y="0"/>
+          <a:chExt cx="0" cy="0"/>
+        </a:xfrm>
+      </p:grpSpPr>
       <p:sp>
         <p:nvSpPr>
-          <p:cNvPr id="105" name="Google Shape;105;p17"/>
+          <p:cNvPr id="109" name="Google Shape;109;p18"/>
+          <p:cNvSpPr txBox="1"/>
+          <p:nvPr>
+            <p:ph idx="12" type="sldNum"/>
+          </p:nvPr>
+        </p:nvSpPr>
+        <p:spPr>
+          <a:xfrm>
+            <a:off x="7812360" y="6658074"/>
+            <a:ext cx="874500" cy="213600"/>
+          </a:xfrm>
+          <a:prstGeom prst="rect">
+            <a:avLst/>
+          </a:prstGeom>
+        </p:spPr>
+        <p:txBody>
+          <a:bodyPr anchorCtr="0" anchor="ctr" bIns="45700" lIns="91425" spcFirstLastPara="1" rIns="91425" wrap="square" tIns="45700">
+            <a:noAutofit/>
+          </a:bodyPr>
+          <a:lstStyle/>
+          <a:p>
+            <a:pPr indent="0" lvl="0" marL="0" rtl="0" algn="ctr">
+              <a:spcBef>
+                <a:spcPts val="0"/>
+              </a:spcBef>
+              <a:spcAft>
+                <a:spcPts val="0"/>
+              </a:spcAft>
+              <a:buClr>
+                <a:srgbClr val="000000"/>
+              </a:buClr>
+              <a:buSzPts val="500"/>
+              <a:buFont typeface="Arial"/>
+              <a:buNone/>
+            </a:pPr>
+            <a:r>
+              <a:rPr lang="es-EC"/>
+              <a:t>VERSIÓN: 1.0</a:t>
+            </a:r>
+            <a:endParaRPr/>
+          </a:p>
+        </p:txBody>
+      </p:sp>
+      <p:sp>
+        <p:nvSpPr>
+          <p:cNvPr id="110" name="Google Shape;110;p18"/>
           <p:cNvSpPr txBox="1"/>
           <p:nvPr/>
         </p:nvSpPr>
         <p:spPr>
           <a:xfrm>
-            <a:off x="263900" y="4421825"/>
-            <a:ext cx="8085000" cy="1623900"/>
+            <a:off x="416400" y="676625"/>
+            <a:ext cx="2055900" cy="400200"/>
+          </a:xfrm>
+          <a:prstGeom prst="rect">
+            <a:avLst/>
+          </a:prstGeom>
+          <a:noFill/>
+          <a:ln>
+            <a:noFill/>
+          </a:ln>
+        </p:spPr>
+        <p:txBody>
+          <a:bodyPr anchorCtr="0" anchor="t" bIns="91425" lIns="91425" spcFirstLastPara="1" rIns="91425" wrap="square" tIns="91425">
+            <a:spAutoFit/>
+          </a:bodyPr>
+          <a:lstStyle/>
+          <a:p>
+            <a:pPr indent="0" lvl="0" marL="0" rtl="0" algn="l">
+              <a:spcBef>
+                <a:spcPts val="0"/>
+              </a:spcBef>
+              <a:spcAft>
+                <a:spcPts val="0"/>
+              </a:spcAft>
+              <a:buNone/>
+            </a:pPr>
+            <a:r>
+              <a:rPr b="1" lang="es-EC">
+                <a:solidFill>
+                  <a:srgbClr val="006600"/>
+                </a:solidFill>
+                <a:latin typeface="Verdana"/>
+                <a:ea typeface="Verdana"/>
+                <a:cs typeface="Verdana"/>
+                <a:sym typeface="Verdana"/>
+              </a:rPr>
+              <a:t>INVESTIGACIÓN</a:t>
+            </a:r>
+            <a:endParaRPr b="1">
+              <a:solidFill>
+                <a:srgbClr val="006600"/>
+              </a:solidFill>
+              <a:latin typeface="Verdana"/>
+              <a:ea typeface="Verdana"/>
+              <a:cs typeface="Verdana"/>
+              <a:sym typeface="Verdana"/>
+            </a:endParaRPr>
+          </a:p>
+        </p:txBody>
+      </p:sp>
+      <p:sp>
+        <p:nvSpPr>
+          <p:cNvPr id="111" name="Google Shape;111;p18"/>
+          <p:cNvSpPr txBox="1"/>
+          <p:nvPr/>
+        </p:nvSpPr>
+        <p:spPr>
+          <a:xfrm>
+            <a:off x="642600" y="1043125"/>
+            <a:ext cx="8085000" cy="2131800"/>
           </a:xfrm>
           <a:prstGeom prst="rect">
             <a:avLst/>
@@ -13963,7 +14166,22 @@
                 <a:cs typeface="Verdana"/>
                 <a:sym typeface="Verdana"/>
               </a:rPr>
-              <a:t>Se requiere actualizar los datos de las investigaciones de la pestaña de los grupos de investigación.</a:t>
+              <a:t>Se requiere actualizar los datos de las investigaciones de la pestaña de los grupos de investigación. </a:t>
+            </a:r>
+            <a:r>
+              <a:rPr lang="es-EC" sz="1100">
+                <a:solidFill>
+                  <a:schemeClr val="dk1"/>
+                </a:solidFill>
+                <a:highlight>
+                  <a:srgbClr val="FFFFFF"/>
+                </a:highlight>
+                <a:latin typeface="Verdana"/>
+                <a:ea typeface="Verdana"/>
+                <a:cs typeface="Verdana"/>
+                <a:sym typeface="Verdana"/>
+              </a:rPr>
+              <a:t>(nombre del grupo, número de participantes, investigación personal,laboratorio, responsable).</a:t>
             </a:r>
             <a:endParaRPr sz="1100">
               <a:solidFill>
@@ -14035,61 +14253,6 @@
               </a:rPr>
               <a:t>Se requiere actualizar los datos de la pestaña de seguimiento de graduados.</a:t>
             </a:r>
-            <a:endParaRPr sz="1100">
-              <a:solidFill>
-                <a:schemeClr val="dk1"/>
-              </a:solidFill>
-              <a:highlight>
-                <a:srgbClr val="FFFFFF"/>
-              </a:highlight>
-              <a:latin typeface="Verdana"/>
-              <a:ea typeface="Verdana"/>
-              <a:cs typeface="Verdana"/>
-              <a:sym typeface="Verdana"/>
-            </a:endParaRPr>
-          </a:p>
-          <a:p>
-            <a:pPr indent="0" lvl="0" marL="0" rtl="0" algn="just">
-              <a:lnSpc>
-                <a:spcPct val="150000"/>
-              </a:lnSpc>
-              <a:spcBef>
-                <a:spcPts val="0"/>
-              </a:spcBef>
-              <a:spcAft>
-                <a:spcPts val="0"/>
-              </a:spcAft>
-              <a:buClr>
-                <a:schemeClr val="dk1"/>
-              </a:buClr>
-              <a:buSzPts val="1100"/>
-              <a:buFont typeface="Arial"/>
-              <a:buNone/>
-            </a:pPr>
-            <a:r>
-              <a:rPr b="1" lang="es-EC" sz="1100">
-                <a:solidFill>
-                  <a:schemeClr val="dk1"/>
-                </a:solidFill>
-                <a:latin typeface="Verdana"/>
-                <a:ea typeface="Verdana"/>
-                <a:cs typeface="Verdana"/>
-                <a:sym typeface="Verdana"/>
-              </a:rPr>
-              <a:t>R(11)</a:t>
-            </a:r>
-            <a:r>
-              <a:rPr lang="es-EC" sz="1100">
-                <a:solidFill>
-                  <a:schemeClr val="dk1"/>
-                </a:solidFill>
-                <a:latin typeface="Verdana"/>
-                <a:ea typeface="Verdana"/>
-                <a:cs typeface="Verdana"/>
-                <a:sym typeface="Verdana"/>
-              </a:rPr>
-              <a:t>: </a:t>
-            </a:r>
             <a:r>
               <a:rPr lang="es-EC" sz="1100">
                 <a:solidFill>
@@ -14103,7 +14266,7 @@
                 <a:cs typeface="Verdana"/>
                 <a:sym typeface="Verdana"/>
               </a:rPr>
-              <a:t>Se requiere actualizar los datos de los grupos de investigación.</a:t>
+              <a:t>(actividades)</a:t>
             </a:r>
             <a:endParaRPr sz="1100">
               <a:solidFill>
@@ -14141,6 +14304,91 @@
                 <a:solidFill>
                   <a:schemeClr val="dk1"/>
                 </a:solidFill>
+                <a:latin typeface="Verdana"/>
+                <a:ea typeface="Verdana"/>
+                <a:cs typeface="Verdana"/>
+                <a:sym typeface="Verdana"/>
+              </a:rPr>
+              <a:t>R(11)</a:t>
+            </a:r>
+            <a:r>
+              <a:rPr lang="es-EC" sz="1100">
+                <a:solidFill>
+                  <a:schemeClr val="dk1"/>
+                </a:solidFill>
+                <a:latin typeface="Verdana"/>
+                <a:ea typeface="Verdana"/>
+                <a:cs typeface="Verdana"/>
+                <a:sym typeface="Verdana"/>
+              </a:rPr>
+              <a:t>: </a:t>
+            </a:r>
+            <a:r>
+              <a:rPr lang="es-EC" sz="1100">
+                <a:solidFill>
+                  <a:schemeClr val="dk1"/>
+                </a:solidFill>
+                <a:highlight>
+                  <a:srgbClr val="FFFFFF"/>
+                </a:highlight>
+                <a:latin typeface="Verdana"/>
+                <a:ea typeface="Verdana"/>
+                <a:cs typeface="Verdana"/>
+                <a:sym typeface="Verdana"/>
+              </a:rPr>
+              <a:t>Se requiere actualizar los datos de los grupos de investigación. </a:t>
+            </a:r>
+            <a:r>
+              <a:rPr lang="es-EC" sz="1100">
+                <a:solidFill>
+                  <a:schemeClr val="dk1"/>
+                </a:solidFill>
+                <a:highlight>
+                  <a:srgbClr val="FFFFFF"/>
+                </a:highlight>
+                <a:latin typeface="Verdana"/>
+                <a:ea typeface="Verdana"/>
+                <a:cs typeface="Verdana"/>
+                <a:sym typeface="Verdana"/>
+              </a:rPr>
+              <a:t>(nombre del grupo, investigación).</a:t>
+            </a:r>
+            <a:endParaRPr sz="1100">
+              <a:solidFill>
+                <a:schemeClr val="dk1"/>
+              </a:solidFill>
+              <a:highlight>
+                <a:srgbClr val="FFFFFF"/>
+              </a:highlight>
+              <a:latin typeface="Verdana"/>
+              <a:ea typeface="Verdana"/>
+              <a:cs typeface="Verdana"/>
+              <a:sym typeface="Verdana"/>
+            </a:endParaRPr>
+          </a:p>
+          <a:p>
+            <a:pPr indent="0" lvl="0" marL="0" rtl="0" algn="just">
+              <a:lnSpc>
+                <a:spcPct val="150000"/>
+              </a:lnSpc>
+              <a:spcBef>
+                <a:spcPts val="0"/>
+              </a:spcBef>
+              <a:spcAft>
+                <a:spcPts val="0"/>
+              </a:spcAft>
+              <a:buClr>
+                <a:schemeClr val="dk1"/>
+              </a:buClr>
+              <a:buSzPts val="1100"/>
+              <a:buFont typeface="Arial"/>
+              <a:buNone/>
+            </a:pPr>
+            <a:r>
+              <a:rPr b="1" lang="es-EC" sz="1100">
+                <a:solidFill>
+                  <a:schemeClr val="dk1"/>
+                </a:solidFill>
                 <a:highlight>
                   <a:srgbClr val="FFFFFF"/>
                 </a:highlight>
@@ -14164,7 +14412,22 @@
                 <a:cs typeface="Verdana"/>
                 <a:sym typeface="Verdana"/>
               </a:rPr>
-              <a:t>Se requiere actualizar los datos de los grupos de investigación con sus respectivos proyectos.</a:t>
+              <a:t>Se requiere actualizar los datos de los grupos de investigación con sus respectivos proyectos. </a:t>
+            </a:r>
+            <a:r>
+              <a:rPr lang="es-EC" sz="1100">
+                <a:solidFill>
+                  <a:schemeClr val="dk1"/>
+                </a:solidFill>
+                <a:highlight>
+                  <a:srgbClr val="FFFFFF"/>
+                </a:highlight>
+                <a:latin typeface="Verdana"/>
+                <a:ea typeface="Verdana"/>
+                <a:cs typeface="Verdana"/>
+                <a:sym typeface="Verdana"/>
+              </a:rPr>
+              <a:t>(nombre del proyecto).</a:t>
             </a:r>
             <a:endParaRPr sz="1100">
               <a:solidFill>
@@ -14236,40 +14499,15 @@
           </a:p>
         </p:txBody>
       </p:sp>
-    </p:spTree>
-  </p:cSld>
-  <p:clrMapOvr>
-    <a:masterClrMapping/>
-  </p:clrMapOvr>
-</p:sld>
-</file>
-
-<file path=ppt/slides/slide5.xml><?xml version="1.0" encoding="utf-8"?>
-<p:sld xmlns:a="http://schemas.openxmlformats.org/drawingml/2006/main" xmlns:r="http://schemas.openxmlformats.org/officeDocument/2006/relationships" xmlns:mc="http://schemas.openxmlformats.org/markup-compatibility/2006" xmlns:mv="urn:schemas-microsoft-com:mac:vml" xmlns:p="http://schemas.openxmlformats.org/presentationml/2006/main" xmlns:c="http://schemas.openxmlformats.org/drawingml/2006/chart" xmlns:dgm="http://schemas.openxmlformats.org/drawingml/2006/diagram" xmlns:o="urn:schemas-microsoft-com:office:office" xmlns:v="urn:schemas-microsoft-com:vml" xmlns:pvml="urn:schemas-microsoft-com:office:powerpoint" xmlns:com="http://schemas.openxmlformats.org/drawingml/2006/compatibility" xmlns:p14="http://schemas.microsoft.com/office/powerpoint/2010/main" xmlns:p15="http://schemas.microsoft.com/office/powerpoint/2012/main" xmlns:ahyp="http://schemas.microsoft.com/office/drawing/2018/hyperlinkcolor">
-  <p:cSld>
-    <p:spTree>
-      <p:nvGrpSpPr>
-        <p:cNvPr id="110" name="Shape 110"/>
-        <p:cNvGrpSpPr/>
-        <p:nvPr/>
-      </p:nvGrpSpPr>
-      <p:grpSpPr>
-        <a:xfrm>
-          <a:off x="0" y="0"/>
-          <a:ext cx="0" cy="0"/>
-          <a:chOff x="0" y="0"/>
-          <a:chExt cx="0" cy="0"/>
-        </a:xfrm>
-      </p:grpSpPr>
       <p:sp>
         <p:nvSpPr>
-          <p:cNvPr id="111" name="Google Shape;111;p18"/>
+          <p:cNvPr id="112" name="Google Shape;112;p18"/>
           <p:cNvSpPr txBox="1"/>
           <p:nvPr/>
         </p:nvSpPr>
         <p:spPr>
           <a:xfrm>
-            <a:off x="158825" y="641675"/>
+            <a:off x="416400" y="3675275"/>
             <a:ext cx="1804800" cy="400200"/>
           </a:xfrm>
           <a:prstGeom prst="rect">
@@ -14321,129 +14559,13 @@
       </p:sp>
       <p:sp>
         <p:nvSpPr>
-          <p:cNvPr id="112" name="Google Shape;112;p18"/>
-          <p:cNvSpPr txBox="1"/>
-          <p:nvPr/>
-        </p:nvSpPr>
-        <p:spPr>
-          <a:xfrm>
-            <a:off x="158825" y="2026100"/>
-            <a:ext cx="1804800" cy="400200"/>
-          </a:xfrm>
-          <a:prstGeom prst="rect">
-            <a:avLst/>
-          </a:prstGeom>
-          <a:noFill/>
-          <a:ln>
-            <a:noFill/>
-          </a:ln>
-        </p:spPr>
-        <p:txBody>
-          <a:bodyPr anchorCtr="0" anchor="t" bIns="91425" lIns="91425" spcFirstLastPara="1" rIns="91425" wrap="square" tIns="91425">
-            <a:spAutoFit/>
-          </a:bodyPr>
-          <a:lstStyle/>
-          <a:p>
-            <a:pPr indent="0" lvl="0" marL="0" rtl="0" algn="l">
-              <a:spcBef>
-                <a:spcPts val="0"/>
-              </a:spcBef>
-              <a:spcAft>
-                <a:spcPts val="0"/>
-              </a:spcAft>
-              <a:buNone/>
-            </a:pPr>
-            <a:r>
-              <a:rPr b="1" lang="es-EC">
-                <a:solidFill>
-                  <a:srgbClr val="006600"/>
-                </a:solidFill>
-                <a:latin typeface="Verdana"/>
-                <a:ea typeface="Verdana"/>
-                <a:cs typeface="Verdana"/>
-                <a:sym typeface="Verdana"/>
-              </a:rPr>
-              <a:t>LABORATORIOS</a:t>
-            </a:r>
-            <a:endParaRPr b="1">
-              <a:solidFill>
-                <a:srgbClr val="006600"/>
-              </a:solidFill>
-              <a:latin typeface="Verdana"/>
-              <a:ea typeface="Verdana"/>
-              <a:cs typeface="Verdana"/>
-              <a:sym typeface="Verdana"/>
-            </a:endParaRPr>
-          </a:p>
-        </p:txBody>
-      </p:sp>
-      <p:sp>
-        <p:nvSpPr>
           <p:cNvPr id="113" name="Google Shape;113;p18"/>
           <p:cNvSpPr txBox="1"/>
           <p:nvPr/>
         </p:nvSpPr>
         <p:spPr>
           <a:xfrm>
-            <a:off x="158825" y="3449850"/>
-            <a:ext cx="1804800" cy="400200"/>
-          </a:xfrm>
-          <a:prstGeom prst="rect">
-            <a:avLst/>
-          </a:prstGeom>
-          <a:noFill/>
-          <a:ln>
-            <a:noFill/>
-          </a:ln>
-        </p:spPr>
-        <p:txBody>
-          <a:bodyPr anchorCtr="0" anchor="t" bIns="91425" lIns="91425" spcFirstLastPara="1" rIns="91425" wrap="square" tIns="91425">
-            <a:spAutoFit/>
-          </a:bodyPr>
-          <a:lstStyle/>
-          <a:p>
-            <a:pPr indent="0" lvl="0" marL="0" rtl="0" algn="l">
-              <a:spcBef>
-                <a:spcPts val="0"/>
-              </a:spcBef>
-              <a:spcAft>
-                <a:spcPts val="0"/>
-              </a:spcAft>
-              <a:buNone/>
-            </a:pPr>
-            <a:r>
-              <a:rPr b="1" lang="es-EC">
-                <a:solidFill>
-                  <a:srgbClr val="006600"/>
-                </a:solidFill>
-                <a:latin typeface="Verdana"/>
-                <a:ea typeface="Verdana"/>
-                <a:cs typeface="Verdana"/>
-                <a:sym typeface="Verdana"/>
-              </a:rPr>
-              <a:t>CONTACTANOS</a:t>
-            </a:r>
-            <a:endParaRPr b="1">
-              <a:solidFill>
-                <a:srgbClr val="006600"/>
-              </a:solidFill>
-              <a:latin typeface="Verdana"/>
-              <a:ea typeface="Verdana"/>
-              <a:cs typeface="Verdana"/>
-              <a:sym typeface="Verdana"/>
-            </a:endParaRPr>
-          </a:p>
-        </p:txBody>
-      </p:sp>
-      <p:sp>
-        <p:nvSpPr>
-          <p:cNvPr id="114" name="Google Shape;114;p18"/>
-          <p:cNvSpPr txBox="1"/>
-          <p:nvPr/>
-        </p:nvSpPr>
-        <p:spPr>
-          <a:xfrm>
-            <a:off x="375400" y="975988"/>
+            <a:off x="632975" y="4009588"/>
             <a:ext cx="7334400" cy="1116000"/>
           </a:xfrm>
           <a:prstGeom prst="rect">
@@ -14566,7 +14688,7 @@
                 <a:cs typeface="Verdana"/>
                 <a:sym typeface="Verdana"/>
               </a:rPr>
-              <a:t>Se requiere verificar la información de los proyectos</a:t>
+              <a:t>Se requiere verificar la información de los proyectos  (nombre, proyecto, detalle)</a:t>
             </a:r>
             <a:endParaRPr sz="1100">
               <a:solidFill>
@@ -14638,15 +14760,156 @@
           </a:p>
         </p:txBody>
       </p:sp>
+    </p:spTree>
+  </p:cSld>
+  <p:clrMapOvr>
+    <a:masterClrMapping/>
+  </p:clrMapOvr>
+</p:sld>
+</file>
+
+<file path=ppt/slides/slide6.xml><?xml version="1.0" encoding="utf-8"?>
+<p:sld xmlns:a="http://schemas.openxmlformats.org/drawingml/2006/main" xmlns:r="http://schemas.openxmlformats.org/officeDocument/2006/relationships" xmlns:mc="http://schemas.openxmlformats.org/markup-compatibility/2006" xmlns:mv="urn:schemas-microsoft-com:mac:vml" xmlns:p="http://schemas.openxmlformats.org/presentationml/2006/main" xmlns:c="http://schemas.openxmlformats.org/drawingml/2006/chart" xmlns:dgm="http://schemas.openxmlformats.org/drawingml/2006/diagram" xmlns:o="urn:schemas-microsoft-com:office:office" xmlns:v="urn:schemas-microsoft-com:vml" xmlns:pvml="urn:schemas-microsoft-com:office:powerpoint" xmlns:com="http://schemas.openxmlformats.org/drawingml/2006/compatibility" xmlns:p14="http://schemas.microsoft.com/office/powerpoint/2010/main" xmlns:p15="http://schemas.microsoft.com/office/powerpoint/2012/main" xmlns:ahyp="http://schemas.microsoft.com/office/drawing/2018/hyperlinkcolor">
+  <p:cSld>
+    <p:spTree>
+      <p:nvGrpSpPr>
+        <p:cNvPr id="118" name="Shape 118"/>
+        <p:cNvGrpSpPr/>
+        <p:nvPr/>
+      </p:nvGrpSpPr>
+      <p:grpSpPr>
+        <a:xfrm>
+          <a:off x="0" y="0"/>
+          <a:ext cx="0" cy="0"/>
+          <a:chOff x="0" y="0"/>
+          <a:chExt cx="0" cy="0"/>
+        </a:xfrm>
+      </p:grpSpPr>
       <p:sp>
         <p:nvSpPr>
-          <p:cNvPr id="115" name="Google Shape;115;p18"/>
+          <p:cNvPr id="119" name="Google Shape;119;p19"/>
           <p:cNvSpPr txBox="1"/>
           <p:nvPr/>
         </p:nvSpPr>
         <p:spPr>
           <a:xfrm>
-            <a:off x="241425" y="3773850"/>
+            <a:off x="197263" y="962175"/>
+            <a:ext cx="1804800" cy="400200"/>
+          </a:xfrm>
+          <a:prstGeom prst="rect">
+            <a:avLst/>
+          </a:prstGeom>
+          <a:noFill/>
+          <a:ln>
+            <a:noFill/>
+          </a:ln>
+        </p:spPr>
+        <p:txBody>
+          <a:bodyPr anchorCtr="0" anchor="t" bIns="91425" lIns="91425" spcFirstLastPara="1" rIns="91425" wrap="square" tIns="91425">
+            <a:spAutoFit/>
+          </a:bodyPr>
+          <a:lstStyle/>
+          <a:p>
+            <a:pPr indent="0" lvl="0" marL="0" rtl="0" algn="l">
+              <a:spcBef>
+                <a:spcPts val="0"/>
+              </a:spcBef>
+              <a:spcAft>
+                <a:spcPts val="0"/>
+              </a:spcAft>
+              <a:buNone/>
+            </a:pPr>
+            <a:r>
+              <a:rPr b="1" lang="es-EC">
+                <a:solidFill>
+                  <a:srgbClr val="006600"/>
+                </a:solidFill>
+                <a:latin typeface="Verdana"/>
+                <a:ea typeface="Verdana"/>
+                <a:cs typeface="Verdana"/>
+                <a:sym typeface="Verdana"/>
+              </a:rPr>
+              <a:t>LABORATORIOS</a:t>
+            </a:r>
+            <a:endParaRPr b="1">
+              <a:solidFill>
+                <a:srgbClr val="006600"/>
+              </a:solidFill>
+              <a:latin typeface="Verdana"/>
+              <a:ea typeface="Verdana"/>
+              <a:cs typeface="Verdana"/>
+              <a:sym typeface="Verdana"/>
+            </a:endParaRPr>
+          </a:p>
+        </p:txBody>
+      </p:sp>
+      <p:sp>
+        <p:nvSpPr>
+          <p:cNvPr id="120" name="Google Shape;120;p19"/>
+          <p:cNvSpPr txBox="1"/>
+          <p:nvPr/>
+        </p:nvSpPr>
+        <p:spPr>
+          <a:xfrm>
+            <a:off x="197250" y="2475400"/>
+            <a:ext cx="1804800" cy="400200"/>
+          </a:xfrm>
+          <a:prstGeom prst="rect">
+            <a:avLst/>
+          </a:prstGeom>
+          <a:noFill/>
+          <a:ln>
+            <a:noFill/>
+          </a:ln>
+        </p:spPr>
+        <p:txBody>
+          <a:bodyPr anchorCtr="0" anchor="t" bIns="91425" lIns="91425" spcFirstLastPara="1" rIns="91425" wrap="square" tIns="91425">
+            <a:spAutoFit/>
+          </a:bodyPr>
+          <a:lstStyle/>
+          <a:p>
+            <a:pPr indent="0" lvl="0" marL="0" rtl="0" algn="l">
+              <a:spcBef>
+                <a:spcPts val="0"/>
+              </a:spcBef>
+              <a:spcAft>
+                <a:spcPts val="0"/>
+              </a:spcAft>
+              <a:buNone/>
+            </a:pPr>
+            <a:r>
+              <a:rPr b="1" lang="es-EC">
+                <a:solidFill>
+                  <a:srgbClr val="006600"/>
+                </a:solidFill>
+                <a:latin typeface="Verdana"/>
+                <a:ea typeface="Verdana"/>
+                <a:cs typeface="Verdana"/>
+                <a:sym typeface="Verdana"/>
+              </a:rPr>
+              <a:t>CONTACTANOS</a:t>
+            </a:r>
+            <a:endParaRPr b="1">
+              <a:solidFill>
+                <a:srgbClr val="006600"/>
+              </a:solidFill>
+              <a:latin typeface="Verdana"/>
+              <a:ea typeface="Verdana"/>
+              <a:cs typeface="Verdana"/>
+              <a:sym typeface="Verdana"/>
+            </a:endParaRPr>
+          </a:p>
+        </p:txBody>
+      </p:sp>
+      <p:sp>
+        <p:nvSpPr>
+          <p:cNvPr id="121" name="Google Shape;121;p19"/>
+          <p:cNvSpPr txBox="1"/>
+          <p:nvPr/>
+        </p:nvSpPr>
+        <p:spPr>
+          <a:xfrm>
+            <a:off x="279850" y="2799400"/>
             <a:ext cx="8373900" cy="354000"/>
           </a:xfrm>
           <a:prstGeom prst="rect">
@@ -14721,14 +14984,14 @@
       </p:sp>
       <p:sp>
         <p:nvSpPr>
-          <p:cNvPr id="116" name="Google Shape;116;p18"/>
+          <p:cNvPr id="122" name="Google Shape;122;p19"/>
           <p:cNvSpPr txBox="1"/>
           <p:nvPr/>
         </p:nvSpPr>
         <p:spPr>
           <a:xfrm>
-            <a:off x="375400" y="2336825"/>
-            <a:ext cx="8532900" cy="1116000"/>
+            <a:off x="413800" y="1207500"/>
+            <a:ext cx="8532900" cy="1369800"/>
           </a:xfrm>
           <a:prstGeom prst="rect">
             <a:avLst/>
@@ -14850,7 +15113,7 @@
                 <a:cs typeface="Verdana"/>
                 <a:sym typeface="Verdana"/>
               </a:rPr>
-              <a:t>Se requiere verificar la información de los horarios de atención de los laboratorios.</a:t>
+              <a:t>Se requiere verificar la información de los horarios de atención de los laboratorios. (Días, horas).</a:t>
             </a:r>
             <a:endParaRPr sz="1100">
               <a:solidFill>
@@ -14972,7 +15235,7 @@
                 <a:cs typeface="Verdana"/>
                 <a:sym typeface="Verdana"/>
               </a:rPr>
-              <a:t>Comprobar si el reglamento del uso de laboratorio es el actual</a:t>
+              <a:t>Comprobar si el reglamento del uso de laboratorio es el actual (usuarios, profesores, directivos y estudiantes).</a:t>
             </a:r>
             <a:endParaRPr sz="1100">
               <a:latin typeface="Verdana"/>
@@ -14985,13 +15248,13 @@
       </p:sp>
       <p:sp>
         <p:nvSpPr>
-          <p:cNvPr id="117" name="Google Shape;117;p18"/>
+          <p:cNvPr id="123" name="Google Shape;123;p19"/>
           <p:cNvSpPr txBox="1"/>
           <p:nvPr/>
         </p:nvSpPr>
         <p:spPr>
           <a:xfrm>
-            <a:off x="165225" y="4204050"/>
+            <a:off x="203650" y="3229600"/>
             <a:ext cx="2512200" cy="400200"/>
           </a:xfrm>
           <a:prstGeom prst="rect">
@@ -15043,13 +15306,13 @@
       </p:sp>
       <p:sp>
         <p:nvSpPr>
-          <p:cNvPr id="118" name="Google Shape;118;p18"/>
+          <p:cNvPr id="124" name="Google Shape;124;p19"/>
           <p:cNvSpPr txBox="1"/>
           <p:nvPr/>
         </p:nvSpPr>
         <p:spPr>
           <a:xfrm>
-            <a:off x="223000" y="4645000"/>
+            <a:off x="261425" y="3670550"/>
             <a:ext cx="8056200" cy="354000"/>
           </a:xfrm>
           <a:prstGeom prst="rect">
@@ -15124,13 +15387,13 @@
       </p:sp>
       <p:sp>
         <p:nvSpPr>
-          <p:cNvPr id="119" name="Google Shape;119;p18"/>
+          <p:cNvPr id="125" name="Google Shape;125;p19"/>
           <p:cNvSpPr txBox="1"/>
           <p:nvPr/>
         </p:nvSpPr>
         <p:spPr>
           <a:xfrm>
-            <a:off x="165225" y="4958250"/>
+            <a:off x="197250" y="4170725"/>
             <a:ext cx="3054300" cy="400200"/>
           </a:xfrm>
           <a:prstGeom prst="rect">
@@ -15182,14 +15445,14 @@
       </p:sp>
       <p:sp>
         <p:nvSpPr>
-          <p:cNvPr id="120" name="Google Shape;120;p18"/>
+          <p:cNvPr id="126" name="Google Shape;126;p19"/>
           <p:cNvSpPr txBox="1"/>
           <p:nvPr/>
         </p:nvSpPr>
         <p:spPr>
           <a:xfrm>
-            <a:off x="375375" y="5471950"/>
-            <a:ext cx="5327700" cy="354000"/>
+            <a:off x="413800" y="4497500"/>
+            <a:ext cx="7478700" cy="354000"/>
           </a:xfrm>
           <a:prstGeom prst="rect">
             <a:avLst/>
@@ -15235,7 +15498,7 @@
                 <a:cs typeface="Verdana"/>
                 <a:sym typeface="Verdana"/>
               </a:rPr>
-              <a:t>R(23): </a:t>
+              <a:t>R(23):</a:t>
             </a:r>
             <a:r>
               <a:rPr lang="es-EC" sz="1100">
@@ -15250,7 +15513,7 @@
                 <a:cs typeface="Verdana"/>
                 <a:sym typeface="Verdana"/>
               </a:rPr>
-              <a:t>Modificar la forma de presentación de la información </a:t>
+              <a:t>Modificar la forma de presentación de la información en cada pestaña de la página web</a:t>
             </a:r>
             <a:endParaRPr sz="1100">
               <a:latin typeface="Verdana"/>
@@ -15269,12 +15532,12 @@
 </p:sld>
 </file>
 
-<file path=ppt/slides/slide6.xml><?xml version="1.0" encoding="utf-8"?>
+<file path=ppt/slides/slide7.xml><?xml version="1.0" encoding="utf-8"?>
 <p:sld xmlns:a="http://schemas.openxmlformats.org/drawingml/2006/main" xmlns:r="http://schemas.openxmlformats.org/officeDocument/2006/relationships" xmlns:mc="http://schemas.openxmlformats.org/markup-compatibility/2006" xmlns:mv="urn:schemas-microsoft-com:mac:vml" xmlns:p="http://schemas.openxmlformats.org/presentationml/2006/main" xmlns:c="http://schemas.openxmlformats.org/drawingml/2006/chart" xmlns:dgm="http://schemas.openxmlformats.org/drawingml/2006/diagram" xmlns:o="urn:schemas-microsoft-com:office:office" xmlns:v="urn:schemas-microsoft-com:vml" xmlns:pvml="urn:schemas-microsoft-com:office:powerpoint" xmlns:com="http://schemas.openxmlformats.org/drawingml/2006/compatibility" xmlns:p14="http://schemas.microsoft.com/office/powerpoint/2010/main" xmlns:p15="http://schemas.microsoft.com/office/powerpoint/2012/main" xmlns:ahyp="http://schemas.microsoft.com/office/drawing/2018/hyperlinkcolor">
   <p:cSld>
     <p:spTree>
       <p:nvGrpSpPr>
-        <p:cNvPr id="125" name="Shape 125"/>
+        <p:cNvPr id="131" name="Shape 131"/>
         <p:cNvGrpSpPr/>
         <p:nvPr/>
       </p:nvGrpSpPr>
@@ -15288,7 +15551,7 @@
       </p:grpSpPr>
       <p:sp>
         <p:nvSpPr>
-          <p:cNvPr id="126" name="Google Shape;126;p19"/>
+          <p:cNvPr id="132" name="Google Shape;132;p20"/>
           <p:cNvSpPr txBox="1"/>
           <p:nvPr/>
         </p:nvSpPr>
@@ -15346,7 +15609,7 @@
       </p:sp>
       <p:pic>
         <p:nvPicPr>
-          <p:cNvPr id="127" name="Google Shape;127;p19"/>
+          <p:cNvPr id="133" name="Google Shape;133;p20"/>
           <p:cNvPicPr preferRelativeResize="0"/>
           <p:nvPr/>
         </p:nvPicPr>
